--- a/sessions/tech-container-jun3-2021/Snowflake-data-warehouse-101-developers.pptx
+++ b/sessions/tech-container-jun3-2021/Snowflake-data-warehouse-101-developers.pptx
@@ -5,7 +5,7 @@
     <p:sldMasterId id="2147483660" r:id="rId1"/>
   </p:sldMasterIdLst>
   <p:notesMasterIdLst>
-    <p:notesMasterId r:id="rId17"/>
+    <p:notesMasterId r:id="rId20"/>
   </p:notesMasterIdLst>
   <p:sldIdLst>
     <p:sldId id="256" r:id="rId2"/>
@@ -19,10 +19,13 @@
     <p:sldId id="264" r:id="rId10"/>
     <p:sldId id="2076136270" r:id="rId11"/>
     <p:sldId id="2076136271" r:id="rId12"/>
-    <p:sldId id="2076136272" r:id="rId13"/>
-    <p:sldId id="2076136274" r:id="rId14"/>
-    <p:sldId id="2076136275" r:id="rId15"/>
-    <p:sldId id="2076136268" r:id="rId16"/>
+    <p:sldId id="2076136276" r:id="rId13"/>
+    <p:sldId id="2076136272" r:id="rId14"/>
+    <p:sldId id="2076136274" r:id="rId15"/>
+    <p:sldId id="2076136275" r:id="rId16"/>
+    <p:sldId id="277" r:id="rId17"/>
+    <p:sldId id="269" r:id="rId18"/>
+    <p:sldId id="2076136268" r:id="rId19"/>
   </p:sldIdLst>
   <p:sldSz cx="12192000" cy="6858000"/>
   <p:notesSz cx="6858000" cy="9144000"/>
@@ -21949,7 +21952,7 @@
           <a:p>
             <a:r>
               <a:rPr lang="en-GB" dirty="0"/>
-              <a:t>* Azure SQL Data warehouse (Azure Synapse Analytics)</a:t>
+              <a:t>* Azure Synapse Analytics (Azure SQL Data warehouse)</a:t>
             </a:r>
           </a:p>
           <a:p>
@@ -21985,6 +21988,105 @@
 </file>
 
 <file path=ppt/slides/slide12.xml><?xml version="1.0" encoding="utf-8"?>
+<p:sld xmlns:a="http://schemas.openxmlformats.org/drawingml/2006/main" xmlns:r="http://schemas.openxmlformats.org/officeDocument/2006/relationships" xmlns:p="http://schemas.openxmlformats.org/presentationml/2006/main">
+  <p:cSld>
+    <p:spTree>
+      <p:nvGrpSpPr>
+        <p:cNvPr id="1" name=""/>
+        <p:cNvGrpSpPr/>
+        <p:nvPr/>
+      </p:nvGrpSpPr>
+      <p:grpSpPr>
+        <a:xfrm>
+          <a:off x="0" y="0"/>
+          <a:ext cx="0" cy="0"/>
+          <a:chOff x="0" y="0"/>
+          <a:chExt cx="0" cy="0"/>
+        </a:xfrm>
+      </p:grpSpPr>
+      <p:sp>
+        <p:nvSpPr>
+          <p:cNvPr id="2" name="Title 1">
+            <a:extLst>
+              <a:ext uri="{FF2B5EF4-FFF2-40B4-BE49-F238E27FC236}">
+                <a16:creationId xmlns:a16="http://schemas.microsoft.com/office/drawing/2014/main" id="{F04E453B-F5BD-4624-929E-1A7A6607898D}"/>
+              </a:ext>
+            </a:extLst>
+          </p:cNvPr>
+          <p:cNvSpPr>
+            <a:spLocks noGrp="1"/>
+          </p:cNvSpPr>
+          <p:nvPr>
+            <p:ph type="title"/>
+          </p:nvPr>
+        </p:nvSpPr>
+        <p:spPr/>
+        <p:txBody>
+          <a:bodyPr/>
+          <a:lstStyle/>
+          <a:p>
+            <a:r>
+              <a:rPr lang="en-GB" dirty="0"/>
+              <a:t>SNOWFLAKE</a:t>
+            </a:r>
+            <a:br>
+              <a:rPr lang="en-GB" dirty="0"/>
+            </a:br>
+            <a:r>
+              <a:rPr lang="en-GB" dirty="0"/>
+              <a:t>cloud data </a:t>
+            </a:r>
+            <a:r>
+              <a:rPr lang="en-GB" strike="sngStrike" dirty="0"/>
+              <a:t>warehouse</a:t>
+            </a:r>
+            <a:r>
+              <a:rPr lang="en-GB" dirty="0"/>
+              <a:t> PLATFORM</a:t>
+            </a:r>
+            <a:endParaRPr lang="en-IN" dirty="0"/>
+          </a:p>
+        </p:txBody>
+      </p:sp>
+      <p:sp>
+        <p:nvSpPr>
+          <p:cNvPr id="3" name="Content Placeholder 2">
+            <a:extLst>
+              <a:ext uri="{FF2B5EF4-FFF2-40B4-BE49-F238E27FC236}">
+                <a16:creationId xmlns:a16="http://schemas.microsoft.com/office/drawing/2014/main" id="{E3AB9DE0-21B3-445D-AB1A-4F66E4229CAD}"/>
+              </a:ext>
+            </a:extLst>
+          </p:cNvPr>
+          <p:cNvSpPr>
+            <a:spLocks noGrp="1"/>
+          </p:cNvSpPr>
+          <p:nvPr>
+            <p:ph idx="1"/>
+          </p:nvPr>
+        </p:nvSpPr>
+        <p:spPr/>
+        <p:txBody>
+          <a:bodyPr/>
+          <a:lstStyle/>
+          <a:p>
+            <a:endParaRPr lang="en-IN" dirty="0"/>
+          </a:p>
+        </p:txBody>
+      </p:sp>
+    </p:spTree>
+    <p:extLst>
+      <p:ext uri="{BB962C8B-B14F-4D97-AF65-F5344CB8AC3E}">
+        <p14:creationId xmlns:p14="http://schemas.microsoft.com/office/powerpoint/2010/main" val="3088988396"/>
+      </p:ext>
+    </p:extLst>
+  </p:cSld>
+  <p:clrMapOvr>
+    <a:masterClrMapping/>
+  </p:clrMapOvr>
+</p:sld>
+</file>
+
+<file path=ppt/slides/slide13.xml><?xml version="1.0" encoding="utf-8"?>
 <p:sld xmlns:a="http://schemas.openxmlformats.org/drawingml/2006/main" xmlns:r="http://schemas.openxmlformats.org/officeDocument/2006/relationships" xmlns:p="http://schemas.openxmlformats.org/presentationml/2006/main">
   <p:cSld>
     <p:spTree>
@@ -22072,7 +22174,7 @@
 </p:sld>
 </file>
 
-<file path=ppt/slides/slide13.xml><?xml version="1.0" encoding="utf-8"?>
+<file path=ppt/slides/slide14.xml><?xml version="1.0" encoding="utf-8"?>
 <p:sld xmlns:a="http://schemas.openxmlformats.org/drawingml/2006/main" xmlns:r="http://schemas.openxmlformats.org/officeDocument/2006/relationships" xmlns:p="http://schemas.openxmlformats.org/presentationml/2006/main">
   <p:cSld>
     <p:spTree>
@@ -22139,7 +22241,23 @@
           <a:bodyPr/>
           <a:lstStyle/>
           <a:p>
-            <a:endParaRPr lang="en-IN"/>
+            <a:r>
+              <a:rPr lang="en-GB" dirty="0"/>
+              <a:t>* Continuous data ingestion.</a:t>
+            </a:r>
+          </a:p>
+          <a:p>
+            <a:r>
+              <a:rPr lang="en-GB" dirty="0"/>
+              <a:t>* Designed for micro-batching.</a:t>
+            </a:r>
+          </a:p>
+          <a:p>
+            <a:r>
+              <a:rPr lang="en-GB" dirty="0"/>
+              <a:t>* </a:t>
+            </a:r>
+            <a:endParaRPr lang="en-IN" dirty="0"/>
           </a:p>
         </p:txBody>
       </p:sp>
@@ -22156,7 +22274,7 @@
 </p:sld>
 </file>
 
-<file path=ppt/slides/slide14.xml><?xml version="1.0" encoding="utf-8"?>
+<file path=ppt/slides/slide15.xml><?xml version="1.0" encoding="utf-8"?>
 <p:sld xmlns:a="http://schemas.openxmlformats.org/drawingml/2006/main" xmlns:r="http://schemas.openxmlformats.org/officeDocument/2006/relationships" xmlns:p="http://schemas.openxmlformats.org/presentationml/2006/main">
   <p:cSld>
     <p:spTree>
@@ -22242,7 +22360,217 @@
 </p:sld>
 </file>
 
-<file path=ppt/slides/slide15.xml><?xml version="1.0" encoding="utf-8"?>
+<file path=ppt/slides/slide16.xml><?xml version="1.0" encoding="utf-8"?>
+<p:sld xmlns:a="http://schemas.openxmlformats.org/drawingml/2006/main" xmlns:r="http://schemas.openxmlformats.org/officeDocument/2006/relationships" xmlns:p="http://schemas.openxmlformats.org/presentationml/2006/main">
+  <p:cSld>
+    <p:spTree>
+      <p:nvGrpSpPr>
+        <p:cNvPr id="1" name=""/>
+        <p:cNvGrpSpPr/>
+        <p:nvPr/>
+      </p:nvGrpSpPr>
+      <p:grpSpPr>
+        <a:xfrm>
+          <a:off x="0" y="0"/>
+          <a:ext cx="0" cy="0"/>
+          <a:chOff x="0" y="0"/>
+          <a:chExt cx="0" cy="0"/>
+        </a:xfrm>
+      </p:grpSpPr>
+      <p:pic>
+        <p:nvPicPr>
+          <p:cNvPr id="3074" name="Picture 2">
+            <a:extLst>
+              <a:ext uri="{FF2B5EF4-FFF2-40B4-BE49-F238E27FC236}">
+                <a16:creationId xmlns:a16="http://schemas.microsoft.com/office/drawing/2014/main" id="{55530FED-4EFE-41A4-AE39-512AE0D0F96A}"/>
+              </a:ext>
+            </a:extLst>
+          </p:cNvPr>
+          <p:cNvPicPr>
+            <a:picLocks noChangeAspect="1" noChangeArrowheads="1"/>
+          </p:cNvPicPr>
+          <p:nvPr/>
+        </p:nvPicPr>
+        <p:blipFill>
+          <a:blip r:embed="rId2">
+            <a:extLst>
+              <a:ext uri="{28A0092B-C50C-407E-A947-70E740481C1C}">
+                <a14:useLocalDpi xmlns:a14="http://schemas.microsoft.com/office/drawing/2010/main" val="0"/>
+              </a:ext>
+            </a:extLst>
+          </a:blip>
+          <a:srcRect/>
+          <a:stretch>
+            <a:fillRect/>
+          </a:stretch>
+        </p:blipFill>
+        <p:spPr bwMode="auto">
+          <a:xfrm>
+            <a:off x="381000" y="428625"/>
+            <a:ext cx="11430000" cy="6000750"/>
+          </a:xfrm>
+          <a:prstGeom prst="rect">
+            <a:avLst/>
+          </a:prstGeom>
+          <a:noFill/>
+          <a:extLst>
+            <a:ext uri="{909E8E84-426E-40DD-AFC4-6F175D3DCCD1}">
+              <a14:hiddenFill xmlns:a14="http://schemas.microsoft.com/office/drawing/2010/main">
+                <a:solidFill>
+                  <a:srgbClr val="FFFFFF"/>
+                </a:solidFill>
+              </a14:hiddenFill>
+            </a:ext>
+          </a:extLst>
+        </p:spPr>
+      </p:pic>
+    </p:spTree>
+    <p:extLst>
+      <p:ext uri="{BB962C8B-B14F-4D97-AF65-F5344CB8AC3E}">
+        <p14:creationId xmlns:p14="http://schemas.microsoft.com/office/powerpoint/2010/main" val="1528854340"/>
+      </p:ext>
+    </p:extLst>
+  </p:cSld>
+  <p:clrMapOvr>
+    <a:masterClrMapping/>
+  </p:clrMapOvr>
+</p:sld>
+</file>
+
+<file path=ppt/slides/slide17.xml><?xml version="1.0" encoding="utf-8"?>
+<p:sld xmlns:a="http://schemas.openxmlformats.org/drawingml/2006/main" xmlns:r="http://schemas.openxmlformats.org/officeDocument/2006/relationships" xmlns:p="http://schemas.openxmlformats.org/presentationml/2006/main">
+  <p:cSld>
+    <p:spTree>
+      <p:nvGrpSpPr>
+        <p:cNvPr id="1" name=""/>
+        <p:cNvGrpSpPr/>
+        <p:nvPr/>
+      </p:nvGrpSpPr>
+      <p:grpSpPr>
+        <a:xfrm>
+          <a:off x="0" y="0"/>
+          <a:ext cx="0" cy="0"/>
+          <a:chOff x="0" y="0"/>
+          <a:chExt cx="0" cy="0"/>
+        </a:xfrm>
+      </p:grpSpPr>
+      <p:sp>
+        <p:nvSpPr>
+          <p:cNvPr id="2" name="Title 1">
+            <a:extLst>
+              <a:ext uri="{FF2B5EF4-FFF2-40B4-BE49-F238E27FC236}">
+                <a16:creationId xmlns:a16="http://schemas.microsoft.com/office/drawing/2014/main" id="{550658A6-BABC-40B1-8EC6-823D6A10361D}"/>
+              </a:ext>
+            </a:extLst>
+          </p:cNvPr>
+          <p:cNvSpPr>
+            <a:spLocks noGrp="1"/>
+          </p:cNvSpPr>
+          <p:nvPr>
+            <p:ph type="title"/>
+          </p:nvPr>
+        </p:nvSpPr>
+        <p:spPr>
+          <a:xfrm>
+            <a:off x="1024128" y="532965"/>
+            <a:ext cx="9720072" cy="1499616"/>
+          </a:xfrm>
+        </p:spPr>
+        <p:txBody>
+          <a:bodyPr/>
+          <a:lstStyle/>
+          <a:p>
+            <a:r>
+              <a:rPr lang="en-GB" dirty="0"/>
+              <a:t>DATA LAKEHOUSE</a:t>
+            </a:r>
+            <a:endParaRPr lang="en-IN" dirty="0"/>
+          </a:p>
+        </p:txBody>
+      </p:sp>
+      <p:sp>
+        <p:nvSpPr>
+          <p:cNvPr id="3" name="Content Placeholder 2">
+            <a:extLst>
+              <a:ext uri="{FF2B5EF4-FFF2-40B4-BE49-F238E27FC236}">
+                <a16:creationId xmlns:a16="http://schemas.microsoft.com/office/drawing/2014/main" id="{F2E27520-806E-4A30-AF8D-F669B8C75AA4}"/>
+              </a:ext>
+            </a:extLst>
+          </p:cNvPr>
+          <p:cNvSpPr>
+            <a:spLocks noGrp="1"/>
+          </p:cNvSpPr>
+          <p:nvPr>
+            <p:ph idx="1"/>
+          </p:nvPr>
+        </p:nvSpPr>
+        <p:spPr/>
+        <p:txBody>
+          <a:bodyPr/>
+          <a:lstStyle/>
+          <a:p>
+            <a:r>
+              <a:rPr lang="en-GB" dirty="0"/>
+              <a:t>* Sting together the best of both worlds – Data warehouse and Data lake.</a:t>
+            </a:r>
+          </a:p>
+          <a:p>
+            <a:r>
+              <a:rPr lang="en-GB" dirty="0"/>
+              <a:t>* Implement data warehouse’ data structures &amp; management features of data lakes.</a:t>
+            </a:r>
+          </a:p>
+          <a:p>
+            <a:r>
+              <a:rPr lang="en-GB" dirty="0"/>
+              <a:t>* Single Data </a:t>
+            </a:r>
+            <a:r>
+              <a:rPr lang="en-GB" dirty="0" err="1"/>
+              <a:t>lakehouse</a:t>
+            </a:r>
+            <a:r>
+              <a:rPr lang="en-GB" dirty="0"/>
+              <a:t> for structured, semi-structured and unstructured acts as a </a:t>
+            </a:r>
+          </a:p>
+          <a:p>
+            <a:r>
+              <a:rPr lang="en-GB" dirty="0"/>
+              <a:t>=&gt; Multi-solution system, </a:t>
+            </a:r>
+          </a:p>
+          <a:p>
+            <a:r>
+              <a:rPr lang="en-GB" dirty="0"/>
+              <a:t>=&gt; Simplified data governance,</a:t>
+            </a:r>
+          </a:p>
+          <a:p>
+            <a:r>
+              <a:rPr lang="en-GB" dirty="0"/>
+              <a:t>=&gt; Cost-effective too. </a:t>
+            </a:r>
+          </a:p>
+          <a:p>
+            <a:endParaRPr lang="en-IN" dirty="0"/>
+          </a:p>
+        </p:txBody>
+      </p:sp>
+    </p:spTree>
+    <p:extLst>
+      <p:ext uri="{BB962C8B-B14F-4D97-AF65-F5344CB8AC3E}">
+        <p14:creationId xmlns:p14="http://schemas.microsoft.com/office/powerpoint/2010/main" val="2629790823"/>
+      </p:ext>
+    </p:extLst>
+  </p:cSld>
+  <p:clrMapOvr>
+    <a:masterClrMapping/>
+  </p:clrMapOvr>
+</p:sld>
+</file>
+
+<file path=ppt/slides/slide18.xml><?xml version="1.0" encoding="utf-8"?>
 <p:sld xmlns:a="http://schemas.openxmlformats.org/drawingml/2006/main" xmlns:r="http://schemas.openxmlformats.org/officeDocument/2006/relationships" xmlns:p="http://schemas.openxmlformats.org/presentationml/2006/main">
   <p:cSld>
     <p:spTree>
@@ -23447,9 +23775,9 @@
           <a:prstGeom prst="rect">
             <a:avLst/>
           </a:prstGeom>
-          <a:ln w="19050">
+          <a:ln w="28575">
             <a:solidFill>
-              <a:schemeClr val="accent1"/>
+              <a:schemeClr val="accent5"/>
             </a:solidFill>
           </a:ln>
         </p:spPr>
@@ -23472,7 +23800,7 @@
         </p:nvSpPr>
         <p:spPr>
           <a:xfrm>
-            <a:off x="6096000" y="1255341"/>
+            <a:off x="6389076" y="1255340"/>
             <a:ext cx="4469672" cy="932688"/>
           </a:xfrm>
         </p:spPr>
@@ -23486,15 +23814,13 @@
             <a:r>
               <a:rPr lang="en-US" sz="5400" kern="1200" dirty="0">
                 <a:solidFill>
-                  <a:schemeClr val="accent4">
-                    <a:lumMod val="75000"/>
-                  </a:schemeClr>
+                  <a:schemeClr val="accent5"/>
                 </a:solidFill>
                 <a:latin typeface="+mj-lt"/>
                 <a:ea typeface="+mj-ea"/>
                 <a:cs typeface="+mj-cs"/>
               </a:rPr>
-              <a:t>Database VARITES</a:t>
+              <a:t>Database Varieties</a:t>
             </a:r>
           </a:p>
         </p:txBody>
@@ -23637,7 +23963,7 @@
             </a:pPr>
             <a:r>
               <a:rPr lang="en-GB" sz="1900" dirty="0"/>
-              <a:t>  - Purpose - OLTP.</a:t>
+              <a:t>  - OLTP Purpose.</a:t>
             </a:r>
           </a:p>
           <a:p>
